--- a/ppt/previr_Nantes_2025.pptx
+++ b/ppt/previr_Nantes_2025.pptx
@@ -260,7 +260,7 @@
           <a:p>
             <a:fld id="{9F6924BD-5BE7-4D7D-9D88-153A07FFE0E3}" type="datetimeFigureOut">
               <a:rPr lang="en-US" smtClean="0"/>
-              <a:t>9/8/2025</a:t>
+              <a:t>9/9/2025</a:t>
             </a:fld>
             <a:endParaRPr lang="en-US"/>
           </a:p>
@@ -458,7 +458,7 @@
           <a:p>
             <a:fld id="{9F6924BD-5BE7-4D7D-9D88-153A07FFE0E3}" type="datetimeFigureOut">
               <a:rPr lang="en-US" smtClean="0"/>
-              <a:t>9/8/2025</a:t>
+              <a:t>9/9/2025</a:t>
             </a:fld>
             <a:endParaRPr lang="en-US"/>
           </a:p>
@@ -666,7 +666,7 @@
           <a:p>
             <a:fld id="{9F6924BD-5BE7-4D7D-9D88-153A07FFE0E3}" type="datetimeFigureOut">
               <a:rPr lang="en-US" smtClean="0"/>
-              <a:t>9/8/2025</a:t>
+              <a:t>9/9/2025</a:t>
             </a:fld>
             <a:endParaRPr lang="en-US"/>
           </a:p>
@@ -864,7 +864,7 @@
           <a:p>
             <a:fld id="{9F6924BD-5BE7-4D7D-9D88-153A07FFE0E3}" type="datetimeFigureOut">
               <a:rPr lang="en-US" smtClean="0"/>
-              <a:t>9/8/2025</a:t>
+              <a:t>9/9/2025</a:t>
             </a:fld>
             <a:endParaRPr lang="en-US"/>
           </a:p>
@@ -1139,7 +1139,7 @@
           <a:p>
             <a:fld id="{9F6924BD-5BE7-4D7D-9D88-153A07FFE0E3}" type="datetimeFigureOut">
               <a:rPr lang="en-US" smtClean="0"/>
-              <a:t>9/8/2025</a:t>
+              <a:t>9/9/2025</a:t>
             </a:fld>
             <a:endParaRPr lang="en-US"/>
           </a:p>
@@ -1404,7 +1404,7 @@
           <a:p>
             <a:fld id="{9F6924BD-5BE7-4D7D-9D88-153A07FFE0E3}" type="datetimeFigureOut">
               <a:rPr lang="en-US" smtClean="0"/>
-              <a:t>9/8/2025</a:t>
+              <a:t>9/9/2025</a:t>
             </a:fld>
             <a:endParaRPr lang="en-US"/>
           </a:p>
@@ -1816,7 +1816,7 @@
           <a:p>
             <a:fld id="{9F6924BD-5BE7-4D7D-9D88-153A07FFE0E3}" type="datetimeFigureOut">
               <a:rPr lang="en-US" smtClean="0"/>
-              <a:t>9/8/2025</a:t>
+              <a:t>9/9/2025</a:t>
             </a:fld>
             <a:endParaRPr lang="en-US"/>
           </a:p>
@@ -1957,7 +1957,7 @@
           <a:p>
             <a:fld id="{9F6924BD-5BE7-4D7D-9D88-153A07FFE0E3}" type="datetimeFigureOut">
               <a:rPr lang="en-US" smtClean="0"/>
-              <a:t>9/8/2025</a:t>
+              <a:t>9/9/2025</a:t>
             </a:fld>
             <a:endParaRPr lang="en-US"/>
           </a:p>
@@ -2070,7 +2070,7 @@
           <a:p>
             <a:fld id="{9F6924BD-5BE7-4D7D-9D88-153A07FFE0E3}" type="datetimeFigureOut">
               <a:rPr lang="en-US" smtClean="0"/>
-              <a:t>9/8/2025</a:t>
+              <a:t>9/9/2025</a:t>
             </a:fld>
             <a:endParaRPr lang="en-US"/>
           </a:p>
@@ -2381,7 +2381,7 @@
           <a:p>
             <a:fld id="{9F6924BD-5BE7-4D7D-9D88-153A07FFE0E3}" type="datetimeFigureOut">
               <a:rPr lang="en-US" smtClean="0"/>
-              <a:t>9/8/2025</a:t>
+              <a:t>9/9/2025</a:t>
             </a:fld>
             <a:endParaRPr lang="en-US"/>
           </a:p>
@@ -2669,7 +2669,7 @@
           <a:p>
             <a:fld id="{9F6924BD-5BE7-4D7D-9D88-153A07FFE0E3}" type="datetimeFigureOut">
               <a:rPr lang="en-US" smtClean="0"/>
-              <a:t>9/8/2025</a:t>
+              <a:t>9/9/2025</a:t>
             </a:fld>
             <a:endParaRPr lang="en-US"/>
           </a:p>
@@ -2917,7 +2917,7 @@
             <a:fld id="{9F6924BD-5BE7-4D7D-9D88-153A07FFE0E3}" type="datetimeFigureOut">
               <a:rPr lang="en-US" smtClean="0"/>
               <a:pPr/>
-              <a:t>9/8/2025</a:t>
+              <a:t>9/9/2025</a:t>
             </a:fld>
             <a:endParaRPr lang="en-US"/>
           </a:p>
@@ -3362,7 +3362,7 @@
             </a:r>
             <a:r>
               <a:rPr lang="en-US" dirty="0" err="1"/>
-              <a:t>previr</a:t>
+              <a:t>PreVir</a:t>
             </a:r>
             <a:endParaRPr lang="en-US" dirty="0"/>
           </a:p>
@@ -3406,12 +3406,182 @@
           <a:chExt cx="0" cy="0"/>
         </a:xfrm>
       </p:grpSpPr>
+      <p:sp>
+        <p:nvSpPr>
+          <p:cNvPr id="7" name="Content Placeholder 6">
+            <a:extLst>
+              <a:ext uri="{FF2B5EF4-FFF2-40B4-BE49-F238E27FC236}">
+                <a16:creationId xmlns:a16="http://schemas.microsoft.com/office/drawing/2014/main" id="{77C72232-618E-5588-AC0F-5BE8C7D06321}"/>
+              </a:ext>
+            </a:extLst>
+          </p:cNvPr>
+          <p:cNvSpPr>
+            <a:spLocks noGrp="1"/>
+          </p:cNvSpPr>
+          <p:nvPr>
+            <p:ph idx="1"/>
+          </p:nvPr>
+        </p:nvSpPr>
+        <p:spPr>
+          <a:xfrm>
+            <a:off x="5986792" y="1553806"/>
+            <a:ext cx="5436876" cy="4939069"/>
+          </a:xfrm>
+        </p:spPr>
+        <p:txBody>
+          <a:bodyPr>
+            <a:normAutofit fontScale="25000" lnSpcReduction="20000"/>
+          </a:bodyPr>
+          <a:lstStyle/>
+          <a:p>
+            <a:pPr marL="0" indent="0">
+              <a:buNone/>
+            </a:pPr>
+            <a:r>
+              <a:rPr lang="en-US" sz="3600" b="1" dirty="0"/>
+              <a:t> Build the hydrodynamic Model</a:t>
+            </a:r>
+            <a:endParaRPr lang="en-US" sz="3600" dirty="0"/>
+          </a:p>
+          <a:p>
+            <a:r>
+              <a:rPr lang="en-US" sz="3600" dirty="0"/>
+              <a:t>Create/acquire the digital map for the estuaries.</a:t>
+            </a:r>
+          </a:p>
+          <a:p>
+            <a:r>
+              <a:rPr lang="en-US" sz="3600" dirty="0"/>
+              <a:t>Set up the physical forces driving water movement (tides, river flow, etc.).</a:t>
+            </a:r>
+          </a:p>
+          <a:p>
+            <a:r>
+              <a:rPr lang="en-US" sz="3600" dirty="0"/>
+              <a:t>Run initial simulations to ensure the model is stable before adding biology.</a:t>
+            </a:r>
+          </a:p>
+          <a:p>
+            <a:pPr marL="0" indent="0">
+              <a:buNone/>
+            </a:pPr>
+            <a:r>
+              <a:rPr lang="en-US" sz="3600" b="1" dirty="0"/>
+              <a:t>2. Develop the virus &amp; shellfish modules</a:t>
+            </a:r>
+            <a:endParaRPr lang="en-US" sz="3600" dirty="0"/>
+          </a:p>
+          <a:p>
+            <a:r>
+              <a:rPr lang="en-US" sz="3600" b="1" dirty="0"/>
+              <a:t>Water quality model:</a:t>
+            </a:r>
+            <a:endParaRPr lang="en-US" sz="3600" dirty="0"/>
+          </a:p>
+          <a:p>
+            <a:pPr lvl="1"/>
+            <a:r>
+              <a:rPr lang="en-US" sz="3200" dirty="0"/>
+              <a:t>Integrate the virus decay formulas from WP3 lab data (based on temp/light).</a:t>
+            </a:r>
+          </a:p>
+          <a:p>
+            <a:pPr lvl="1"/>
+            <a:r>
+              <a:rPr lang="en-US" sz="3200" dirty="0"/>
+              <a:t>Add parameters for how viruses attach to sediment particles.</a:t>
+            </a:r>
+          </a:p>
+          <a:p>
+            <a:pPr lvl="1"/>
+            <a:r>
+              <a:rPr lang="en-US" sz="3200" dirty="0"/>
+              <a:t>Connect this virus tracking module to the hydrodynamic model.</a:t>
+            </a:r>
+          </a:p>
+          <a:p>
+            <a:r>
+              <a:rPr lang="en-US" sz="3600" b="1" dirty="0"/>
+              <a:t>Shellfish uptake module:</a:t>
+            </a:r>
+            <a:endParaRPr lang="en-US" sz="3600" dirty="0"/>
+          </a:p>
+          <a:p>
+            <a:pPr lvl="1"/>
+            <a:r>
+              <a:rPr lang="en-US" sz="3200" dirty="0"/>
+              <a:t>Code the biological rules for how oysters filter and accumulate viruses.</a:t>
+            </a:r>
+          </a:p>
+          <a:p>
+            <a:pPr lvl="1"/>
+            <a:r>
+              <a:rPr lang="en-US" sz="3200" dirty="0"/>
+              <a:t>Integrate the module so it acts as a virus sink in the water model.</a:t>
+            </a:r>
+          </a:p>
+          <a:p>
+            <a:pPr lvl="1"/>
+            <a:r>
+              <a:rPr lang="en-US" sz="3200" dirty="0"/>
+              <a:t>Prepare it for validation against the real oyster data from WP2.</a:t>
+            </a:r>
+          </a:p>
+          <a:p>
+            <a:pPr marL="0" indent="0">
+              <a:buNone/>
+            </a:pPr>
+            <a:r>
+              <a:rPr lang="en-US" sz="3600" b="1" dirty="0"/>
+              <a:t>3. Calibrate and validate</a:t>
+            </a:r>
+            <a:endParaRPr lang="en-US" sz="3600" dirty="0"/>
+          </a:p>
+          <a:p>
+            <a:r>
+              <a:rPr lang="en-US" sz="3600" dirty="0"/>
+              <a:t>Align model with measurements for both water and shellfish.</a:t>
+            </a:r>
+          </a:p>
+          <a:p>
+            <a:r>
+              <a:rPr lang="en-US" sz="3600" dirty="0"/>
+              <a:t>Analyze which factors (like specific decay rates or filtration efficiency) have the most significant impact on the results.</a:t>
+            </a:r>
+          </a:p>
+          <a:p>
+            <a:pPr marL="0" indent="0">
+              <a:buNone/>
+            </a:pPr>
+            <a:r>
+              <a:rPr lang="en-US" sz="3600" b="1" dirty="0"/>
+              <a:t>4. Run scenarios</a:t>
+            </a:r>
+            <a:endParaRPr lang="en-US" sz="3600" dirty="0"/>
+          </a:p>
+          <a:p>
+            <a:r>
+              <a:rPr lang="en-US" sz="3600" dirty="0"/>
+              <a:t>Set up and simulate various "what if" scenarios (e.g., major rainfall events, wastewater spills).</a:t>
+            </a:r>
+          </a:p>
+          <a:p>
+            <a:r>
+              <a:rPr lang="en-US" sz="3600" dirty="0"/>
+              <a:t>Generate the final project outputs, such as predictive contamination maps and risk assessment charts.</a:t>
+            </a:r>
+          </a:p>
+          <a:p>
+            <a:endParaRPr lang="en-US" dirty="0"/>
+          </a:p>
+        </p:txBody>
+      </p:sp>
       <p:pic>
         <p:nvPicPr>
-          <p:cNvPr id="9" name="Picture 8">
-            <a:extLst>
-              <a:ext uri="{FF2B5EF4-FFF2-40B4-BE49-F238E27FC236}">
-                <a16:creationId xmlns:a16="http://schemas.microsoft.com/office/drawing/2014/main" id="{33C73BF5-AB70-3334-4949-07C972AF21D4}"/>
+          <p:cNvPr id="4" name="Picture 3">
+            <a:extLst>
+              <a:ext uri="{FF2B5EF4-FFF2-40B4-BE49-F238E27FC236}">
+                <a16:creationId xmlns:a16="http://schemas.microsoft.com/office/drawing/2014/main" id="{09ACA577-313F-E9A3-64DE-9B7A1053D654}"/>
               </a:ext>
             </a:extLst>
           </p:cNvPr>
@@ -3428,8 +3598,8 @@
         </p:blipFill>
         <p:spPr>
           <a:xfrm>
-            <a:off x="0" y="0"/>
-            <a:ext cx="7833843" cy="6978580"/>
+            <a:off x="78089" y="55222"/>
+            <a:ext cx="5365682" cy="6802778"/>
           </a:xfrm>
           <a:prstGeom prst="rect">
             <a:avLst/>
@@ -3438,193 +3608,23 @@
       </p:pic>
       <p:sp>
         <p:nvSpPr>
-          <p:cNvPr id="7" name="Content Placeholder 6">
-            <a:extLst>
-              <a:ext uri="{FF2B5EF4-FFF2-40B4-BE49-F238E27FC236}">
-                <a16:creationId xmlns:a16="http://schemas.microsoft.com/office/drawing/2014/main" id="{77C72232-618E-5588-AC0F-5BE8C7D06321}"/>
-              </a:ext>
-            </a:extLst>
-          </p:cNvPr>
-          <p:cNvSpPr>
-            <a:spLocks noGrp="1"/>
-          </p:cNvSpPr>
-          <p:nvPr>
-            <p:ph idx="1"/>
+          <p:cNvPr id="2" name="Title 1">
+            <a:extLst>
+              <a:ext uri="{FF2B5EF4-FFF2-40B4-BE49-F238E27FC236}">
+                <a16:creationId xmlns:a16="http://schemas.microsoft.com/office/drawing/2014/main" id="{CA938372-EBF8-BF5E-C50C-FA4229E26278}"/>
+              </a:ext>
+            </a:extLst>
+          </p:cNvPr>
+          <p:cNvSpPr>
+            <a:spLocks noGrp="1"/>
+          </p:cNvSpPr>
+          <p:nvPr>
+            <p:ph type="title"/>
           </p:nvPr>
         </p:nvSpPr>
         <p:spPr>
           <a:xfrm>
-            <a:off x="7455160" y="1690688"/>
-            <a:ext cx="4477258" cy="4939069"/>
-          </a:xfrm>
-        </p:spPr>
-        <p:txBody>
-          <a:bodyPr>
-            <a:normAutofit fontScale="25000" lnSpcReduction="20000"/>
-          </a:bodyPr>
-          <a:lstStyle/>
-          <a:p>
-            <a:pPr marL="0" indent="0">
-              <a:buNone/>
-            </a:pPr>
-            <a:r>
-              <a:rPr lang="en-US" sz="3600" b="1" dirty="0"/>
-              <a:t> Build the Hydrodynamic Model</a:t>
-            </a:r>
-            <a:endParaRPr lang="en-US" sz="3600" dirty="0"/>
-          </a:p>
-          <a:p>
-            <a:r>
-              <a:rPr lang="en-US" sz="3600" dirty="0"/>
-              <a:t>Create/acquire the digital map for the estuaries.</a:t>
-            </a:r>
-          </a:p>
-          <a:p>
-            <a:r>
-              <a:rPr lang="en-US" sz="3600" dirty="0"/>
-              <a:t>Set up the physical forces driving water movement (tides, river flow, etc.).</a:t>
-            </a:r>
-          </a:p>
-          <a:p>
-            <a:r>
-              <a:rPr lang="en-US" sz="3600" dirty="0"/>
-              <a:t>Run initial simulations to ensure the model is stable before adding biology.</a:t>
-            </a:r>
-          </a:p>
-          <a:p>
-            <a:pPr marL="0" indent="0">
-              <a:buNone/>
-            </a:pPr>
-            <a:r>
-              <a:rPr lang="en-US" sz="3600" b="1" dirty="0"/>
-              <a:t>2. Develop the virus &amp; shellfish modules</a:t>
-            </a:r>
-            <a:endParaRPr lang="en-US" sz="3600" dirty="0"/>
-          </a:p>
-          <a:p>
-            <a:r>
-              <a:rPr lang="en-US" sz="3600" b="1" dirty="0"/>
-              <a:t>Water quality model:</a:t>
-            </a:r>
-            <a:endParaRPr lang="en-US" sz="3600" dirty="0"/>
-          </a:p>
-          <a:p>
-            <a:pPr lvl="1"/>
-            <a:r>
-              <a:rPr lang="en-US" sz="3200" dirty="0"/>
-              <a:t>Integrate the virus decay formulas from WP3 lab data (based on temp/light).</a:t>
-            </a:r>
-          </a:p>
-          <a:p>
-            <a:pPr lvl="1"/>
-            <a:r>
-              <a:rPr lang="en-US" sz="3200" dirty="0"/>
-              <a:t>Add parameters for how viruses attach to sediment particles.</a:t>
-            </a:r>
-          </a:p>
-          <a:p>
-            <a:pPr lvl="1"/>
-            <a:r>
-              <a:rPr lang="en-US" sz="3200" dirty="0"/>
-              <a:t>Connect this virus tracking module to the hydrodynamic model.</a:t>
-            </a:r>
-          </a:p>
-          <a:p>
-            <a:r>
-              <a:rPr lang="en-US" sz="3600" b="1" dirty="0"/>
-              <a:t>Shellfish uptake module:</a:t>
-            </a:r>
-            <a:endParaRPr lang="en-US" sz="3600" dirty="0"/>
-          </a:p>
-          <a:p>
-            <a:pPr lvl="1"/>
-            <a:r>
-              <a:rPr lang="en-US" sz="3200" dirty="0"/>
-              <a:t>Code the biological rules for how oysters filter and accumulate viruses.</a:t>
-            </a:r>
-          </a:p>
-          <a:p>
-            <a:pPr lvl="1"/>
-            <a:r>
-              <a:rPr lang="en-US" sz="3200" dirty="0"/>
-              <a:t>Integrate the module so it acts as a virus sink in the water model.</a:t>
-            </a:r>
-          </a:p>
-          <a:p>
-            <a:pPr lvl="1"/>
-            <a:r>
-              <a:rPr lang="en-US" sz="3200" dirty="0"/>
-              <a:t>Prepare it for validation against the real oyster data from WP2.</a:t>
-            </a:r>
-          </a:p>
-          <a:p>
-            <a:pPr marL="0" indent="0">
-              <a:buNone/>
-            </a:pPr>
-            <a:r>
-              <a:rPr lang="en-US" sz="3600" b="1" dirty="0"/>
-              <a:t>3. Calibrate and validate</a:t>
-            </a:r>
-            <a:endParaRPr lang="en-US" sz="3600" dirty="0"/>
-          </a:p>
-          <a:p>
-            <a:r>
-              <a:rPr lang="en-US" sz="3600" dirty="0"/>
-              <a:t>Align model with measurements for both water and shellfish.</a:t>
-            </a:r>
-          </a:p>
-          <a:p>
-            <a:r>
-              <a:rPr lang="en-US" sz="3600" dirty="0"/>
-              <a:t>Analyze which factors (like specific decay rates or filtration efficiency) have the most significant impact on the results.</a:t>
-            </a:r>
-          </a:p>
-          <a:p>
-            <a:pPr marL="0" indent="0">
-              <a:buNone/>
-            </a:pPr>
-            <a:r>
-              <a:rPr lang="en-US" sz="3600" b="1" dirty="0"/>
-              <a:t>4. Run Predictive Scenarios</a:t>
-            </a:r>
-            <a:endParaRPr lang="en-US" sz="3600" dirty="0"/>
-          </a:p>
-          <a:p>
-            <a:r>
-              <a:rPr lang="en-US" sz="3600" dirty="0"/>
-              <a:t>Set up and simulate various "what if" scenarios (e.g., major rainfall events, wastewater spills).</a:t>
-            </a:r>
-          </a:p>
-          <a:p>
-            <a:r>
-              <a:rPr lang="en-US" sz="3600" dirty="0"/>
-              <a:t>Generate the final project outputs, such as predictive contamination maps and risk assessment charts.</a:t>
-            </a:r>
-          </a:p>
-          <a:p>
-            <a:endParaRPr lang="en-US" dirty="0"/>
-          </a:p>
-        </p:txBody>
-      </p:sp>
-      <p:sp>
-        <p:nvSpPr>
-          <p:cNvPr id="2" name="Title 1">
-            <a:extLst>
-              <a:ext uri="{FF2B5EF4-FFF2-40B4-BE49-F238E27FC236}">
-                <a16:creationId xmlns:a16="http://schemas.microsoft.com/office/drawing/2014/main" id="{CA938372-EBF8-BF5E-C50C-FA4229E26278}"/>
-              </a:ext>
-            </a:extLst>
-          </p:cNvPr>
-          <p:cNvSpPr>
-            <a:spLocks noGrp="1"/>
-          </p:cNvSpPr>
-          <p:nvPr>
-            <p:ph type="title"/>
-          </p:nvPr>
-        </p:nvSpPr>
-        <p:spPr>
-          <a:xfrm>
-            <a:off x="3339548" y="365125"/>
+            <a:off x="3299355" y="228243"/>
             <a:ext cx="8014252" cy="1325563"/>
           </a:xfrm>
         </p:spPr>

--- a/ppt/previr_Nantes_2025.pptx
+++ b/ppt/previr_Nantes_2025.pptx
@@ -7,6 +7,7 @@
   <p:sldIdLst>
     <p:sldId id="256" r:id="rId2"/>
     <p:sldId id="257" r:id="rId3"/>
+    <p:sldId id="258" r:id="rId4"/>
   </p:sldIdLst>
   <p:sldSz cx="12192000" cy="6858000"/>
   <p:notesSz cx="6858000" cy="9144000"/>
@@ -113,6 +114,89 @@
 </p:presentation>
 </file>
 
+<file path=ppt/revisionInfo.xml><?xml version="1.0" encoding="utf-8"?>
+<p1510:revInfo xmlns:a="http://schemas.openxmlformats.org/drawingml/2006/main" xmlns:r="http://schemas.openxmlformats.org/officeDocument/2006/relationships" xmlns:p1510="http://schemas.microsoft.com/office/powerpoint/2015/10/main">
+  <p1510:revLst>
+    <p1510:client id="{30CB43DA-C4AE-407B-8A26-D45FD5BAB137}" v="17" dt="2025-09-18T08:42:57.316"/>
+  </p1510:revLst>
+</p1510:revInfo>
+</file>
+
+<file path=ppt/changesInfos/changesInfo1.xml><?xml version="1.0" encoding="utf-8"?>
+<pc:chgInfo xmlns:a="http://schemas.openxmlformats.org/drawingml/2006/main" xmlns:r="http://schemas.openxmlformats.org/officeDocument/2006/relationships" xmlns:ac="http://schemas.microsoft.com/office/drawing/2013/main/command" xmlns:pc="http://schemas.microsoft.com/office/powerpoint/2013/main/command">
+  <pc:docChgLst>
+    <pc:chgData name="Peeters, Stijn1" userId="694e33a0-1871-4304-9a1f-e3c9be88cf31" providerId="ADAL" clId="{30CB43DA-C4AE-407B-8A26-D45FD5BAB137}"/>
+    <pc:docChg chg="custSel addSld modSld">
+      <pc:chgData name="Peeters, Stijn1" userId="694e33a0-1871-4304-9a1f-e3c9be88cf31" providerId="ADAL" clId="{30CB43DA-C4AE-407B-8A26-D45FD5BAB137}" dt="2025-09-18T11:03:01.532" v="407" actId="20577"/>
+      <pc:docMkLst>
+        <pc:docMk/>
+      </pc:docMkLst>
+      <pc:sldChg chg="modSp mod">
+        <pc:chgData name="Peeters, Stijn1" userId="694e33a0-1871-4304-9a1f-e3c9be88cf31" providerId="ADAL" clId="{30CB43DA-C4AE-407B-8A26-D45FD5BAB137}" dt="2025-09-18T07:07:36.382" v="12" actId="20577"/>
+        <pc:sldMkLst>
+          <pc:docMk/>
+          <pc:sldMk cId="713590990" sldId="256"/>
+        </pc:sldMkLst>
+        <pc:spChg chg="mod">
+          <ac:chgData name="Peeters, Stijn1" userId="694e33a0-1871-4304-9a1f-e3c9be88cf31" providerId="ADAL" clId="{30CB43DA-C4AE-407B-8A26-D45FD5BAB137}" dt="2025-09-18T07:07:36.382" v="12" actId="20577"/>
+          <ac:spMkLst>
+            <pc:docMk/>
+            <pc:sldMk cId="713590990" sldId="256"/>
+            <ac:spMk id="2" creationId="{F7784A41-A8CF-512C-1052-03238DD294E0}"/>
+          </ac:spMkLst>
+        </pc:spChg>
+      </pc:sldChg>
+      <pc:sldChg chg="modSp mod">
+        <pc:chgData name="Peeters, Stijn1" userId="694e33a0-1871-4304-9a1f-e3c9be88cf31" providerId="ADAL" clId="{30CB43DA-C4AE-407B-8A26-D45FD5BAB137}" dt="2025-09-18T11:03:01.532" v="407" actId="20577"/>
+        <pc:sldMkLst>
+          <pc:docMk/>
+          <pc:sldMk cId="3940635493" sldId="257"/>
+        </pc:sldMkLst>
+        <pc:spChg chg="mod">
+          <ac:chgData name="Peeters, Stijn1" userId="694e33a0-1871-4304-9a1f-e3c9be88cf31" providerId="ADAL" clId="{30CB43DA-C4AE-407B-8A26-D45FD5BAB137}" dt="2025-09-18T11:03:01.532" v="407" actId="20577"/>
+          <ac:spMkLst>
+            <pc:docMk/>
+            <pc:sldMk cId="3940635493" sldId="257"/>
+            <ac:spMk id="7" creationId="{77C72232-618E-5588-AC0F-5BE8C7D06321}"/>
+          </ac:spMkLst>
+        </pc:spChg>
+      </pc:sldChg>
+      <pc:sldChg chg="addSp modSp new mod">
+        <pc:chgData name="Peeters, Stijn1" userId="694e33a0-1871-4304-9a1f-e3c9be88cf31" providerId="ADAL" clId="{30CB43DA-C4AE-407B-8A26-D45FD5BAB137}" dt="2025-09-18T08:43:03.921" v="253" actId="1076"/>
+        <pc:sldMkLst>
+          <pc:docMk/>
+          <pc:sldMk cId="1879399984" sldId="258"/>
+        </pc:sldMkLst>
+        <pc:spChg chg="add mod">
+          <ac:chgData name="Peeters, Stijn1" userId="694e33a0-1871-4304-9a1f-e3c9be88cf31" providerId="ADAL" clId="{30CB43DA-C4AE-407B-8A26-D45FD5BAB137}" dt="2025-09-18T08:43:03.921" v="253" actId="1076"/>
+          <ac:spMkLst>
+            <pc:docMk/>
+            <pc:sldMk cId="1879399984" sldId="258"/>
+            <ac:spMk id="5" creationId="{15B7EEDD-3511-9359-DB78-437EEB012091}"/>
+          </ac:spMkLst>
+        </pc:spChg>
+        <pc:picChg chg="add mod">
+          <ac:chgData name="Peeters, Stijn1" userId="694e33a0-1871-4304-9a1f-e3c9be88cf31" providerId="ADAL" clId="{30CB43DA-C4AE-407B-8A26-D45FD5BAB137}" dt="2025-09-18T08:42:57.316" v="250" actId="1076"/>
+          <ac:picMkLst>
+            <pc:docMk/>
+            <pc:sldMk cId="1879399984" sldId="258"/>
+            <ac:picMk id="1026" creationId="{F1D87FE3-865F-5539-6170-97662CB39174}"/>
+          </ac:picMkLst>
+        </pc:picChg>
+        <pc:picChg chg="add mod">
+          <ac:chgData name="Peeters, Stijn1" userId="694e33a0-1871-4304-9a1f-e3c9be88cf31" providerId="ADAL" clId="{30CB43DA-C4AE-407B-8A26-D45FD5BAB137}" dt="2025-09-18T08:42:54.195" v="249" actId="1076"/>
+          <ac:picMkLst>
+            <pc:docMk/>
+            <pc:sldMk cId="1879399984" sldId="258"/>
+            <ac:picMk id="1028" creationId="{8AC2C72D-EE30-40BD-3C86-95E9F5011A07}"/>
+          </ac:picMkLst>
+        </pc:picChg>
+      </pc:sldChg>
+    </pc:docChg>
+  </pc:docChgLst>
+</pc:chgInfo>
+</file>
+
 <file path=ppt/slideLayouts/slideLayout1.xml><?xml version="1.0" encoding="utf-8"?>
 <p:sldLayout xmlns:a="http://schemas.openxmlformats.org/drawingml/2006/main" xmlns:r="http://schemas.openxmlformats.org/officeDocument/2006/relationships" xmlns:p="http://schemas.openxmlformats.org/presentationml/2006/main" type="title" preserve="1">
   <p:cSld name="Title Slide">
@@ -260,7 +344,7 @@
           <a:p>
             <a:fld id="{9F6924BD-5BE7-4D7D-9D88-153A07FFE0E3}" type="datetimeFigureOut">
               <a:rPr lang="en-US" smtClean="0"/>
-              <a:t>9/9/2025</a:t>
+              <a:t>9/17/2025</a:t>
             </a:fld>
             <a:endParaRPr lang="en-US"/>
           </a:p>
@@ -458,7 +542,7 @@
           <a:p>
             <a:fld id="{9F6924BD-5BE7-4D7D-9D88-153A07FFE0E3}" type="datetimeFigureOut">
               <a:rPr lang="en-US" smtClean="0"/>
-              <a:t>9/9/2025</a:t>
+              <a:t>9/17/2025</a:t>
             </a:fld>
             <a:endParaRPr lang="en-US"/>
           </a:p>
@@ -666,7 +750,7 @@
           <a:p>
             <a:fld id="{9F6924BD-5BE7-4D7D-9D88-153A07FFE0E3}" type="datetimeFigureOut">
               <a:rPr lang="en-US" smtClean="0"/>
-              <a:t>9/9/2025</a:t>
+              <a:t>9/17/2025</a:t>
             </a:fld>
             <a:endParaRPr lang="en-US"/>
           </a:p>
@@ -864,7 +948,7 @@
           <a:p>
             <a:fld id="{9F6924BD-5BE7-4D7D-9D88-153A07FFE0E3}" type="datetimeFigureOut">
               <a:rPr lang="en-US" smtClean="0"/>
-              <a:t>9/9/2025</a:t>
+              <a:t>9/17/2025</a:t>
             </a:fld>
             <a:endParaRPr lang="en-US"/>
           </a:p>
@@ -1139,7 +1223,7 @@
           <a:p>
             <a:fld id="{9F6924BD-5BE7-4D7D-9D88-153A07FFE0E3}" type="datetimeFigureOut">
               <a:rPr lang="en-US" smtClean="0"/>
-              <a:t>9/9/2025</a:t>
+              <a:t>9/17/2025</a:t>
             </a:fld>
             <a:endParaRPr lang="en-US"/>
           </a:p>
@@ -1404,7 +1488,7 @@
           <a:p>
             <a:fld id="{9F6924BD-5BE7-4D7D-9D88-153A07FFE0E3}" type="datetimeFigureOut">
               <a:rPr lang="en-US" smtClean="0"/>
-              <a:t>9/9/2025</a:t>
+              <a:t>9/17/2025</a:t>
             </a:fld>
             <a:endParaRPr lang="en-US"/>
           </a:p>
@@ -1816,7 +1900,7 @@
           <a:p>
             <a:fld id="{9F6924BD-5BE7-4D7D-9D88-153A07FFE0E3}" type="datetimeFigureOut">
               <a:rPr lang="en-US" smtClean="0"/>
-              <a:t>9/9/2025</a:t>
+              <a:t>9/17/2025</a:t>
             </a:fld>
             <a:endParaRPr lang="en-US"/>
           </a:p>
@@ -1957,7 +2041,7 @@
           <a:p>
             <a:fld id="{9F6924BD-5BE7-4D7D-9D88-153A07FFE0E3}" type="datetimeFigureOut">
               <a:rPr lang="en-US" smtClean="0"/>
-              <a:t>9/9/2025</a:t>
+              <a:t>9/17/2025</a:t>
             </a:fld>
             <a:endParaRPr lang="en-US"/>
           </a:p>
@@ -2070,7 +2154,7 @@
           <a:p>
             <a:fld id="{9F6924BD-5BE7-4D7D-9D88-153A07FFE0E3}" type="datetimeFigureOut">
               <a:rPr lang="en-US" smtClean="0"/>
-              <a:t>9/9/2025</a:t>
+              <a:t>9/17/2025</a:t>
             </a:fld>
             <a:endParaRPr lang="en-US"/>
           </a:p>
@@ -2381,7 +2465,7 @@
           <a:p>
             <a:fld id="{9F6924BD-5BE7-4D7D-9D88-153A07FFE0E3}" type="datetimeFigureOut">
               <a:rPr lang="en-US" smtClean="0"/>
-              <a:t>9/9/2025</a:t>
+              <a:t>9/17/2025</a:t>
             </a:fld>
             <a:endParaRPr lang="en-US"/>
           </a:p>
@@ -2669,7 +2753,7 @@
           <a:p>
             <a:fld id="{9F6924BD-5BE7-4D7D-9D88-153A07FFE0E3}" type="datetimeFigureOut">
               <a:rPr lang="en-US" smtClean="0"/>
-              <a:t>9/9/2025</a:t>
+              <a:t>9/17/2025</a:t>
             </a:fld>
             <a:endParaRPr lang="en-US"/>
           </a:p>
@@ -2917,7 +3001,7 @@
             <a:fld id="{9F6924BD-5BE7-4D7D-9D88-153A07FFE0E3}" type="datetimeFigureOut">
               <a:rPr lang="en-US" smtClean="0"/>
               <a:pPr/>
-              <a:t>9/9/2025</a:t>
+              <a:t>9/17/2025</a:t>
             </a:fld>
             <a:endParaRPr lang="en-US"/>
           </a:p>
@@ -3364,7 +3448,13 @@
               <a:rPr lang="en-US" dirty="0" err="1"/>
               <a:t>PreVir</a:t>
             </a:r>
-            <a:endParaRPr lang="en-US" dirty="0"/>
+            <a:br>
+              <a:rPr lang="en-US" dirty="0"/>
+            </a:br>
+            <a:r>
+              <a:rPr lang="en-US" dirty="0"/>
+              <a:t>18-09-2025</a:t>
+            </a:r>
           </a:p>
         </p:txBody>
       </p:sp>
@@ -3462,6 +3552,16 @@
             </a:r>
           </a:p>
           <a:p>
+            <a:r>
+              <a:rPr lang="en-US" sz="3600" dirty="0"/>
+              <a:t>IF the existing model by Grasso &amp; Caillaud is suitable we may use their model outputs instead of running it ourselves. </a:t>
+            </a:r>
+            <a:br>
+              <a:rPr lang="en-US" sz="3600" dirty="0"/>
+            </a:br>
+            <a:endParaRPr lang="en-US" sz="3600" dirty="0"/>
+          </a:p>
+          <a:p>
             <a:pPr marL="0" indent="0">
               <a:buNone/>
             </a:pPr>
@@ -3482,7 +3582,14 @@
             <a:pPr lvl="1"/>
             <a:r>
               <a:rPr lang="en-US" sz="3200" dirty="0"/>
-              <a:t>Integrate the virus decay formulas from WP3 lab data (based on temp/light).</a:t>
+              <a:t>Integrate the virus decay / behavior from WP3 lab data</a:t>
+            </a:r>
+          </a:p>
+          <a:p>
+            <a:pPr lvl="2"/>
+            <a:r>
+              <a:rPr lang="en-US" sz="2800" dirty="0"/>
+              <a:t>Decay in relation to T, salinity, TSS, virus genotype</a:t>
             </a:r>
           </a:p>
           <a:p>
@@ -3490,6 +3597,13 @@
             <a:r>
               <a:rPr lang="en-US" sz="3200" dirty="0"/>
               <a:t>Add parameters for how viruses attach to sediment particles.</a:t>
+            </a:r>
+          </a:p>
+          <a:p>
+            <a:pPr lvl="2"/>
+            <a:r>
+              <a:rPr lang="en-US" sz="2800" dirty="0"/>
+              <a:t>Preference size, type?</a:t>
             </a:r>
           </a:p>
           <a:p>
@@ -3643,6 +3757,482 @@
     <p:extLst>
       <p:ext uri="{BB962C8B-B14F-4D97-AF65-F5344CB8AC3E}">
         <p14:creationId xmlns:p14="http://schemas.microsoft.com/office/powerpoint/2010/main" val="3940635493"/>
+      </p:ext>
+    </p:extLst>
+  </p:cSld>
+  <p:clrMapOvr>
+    <a:masterClrMapping/>
+  </p:clrMapOvr>
+</p:sld>
+</file>
+
+<file path=ppt/slides/slide3.xml><?xml version="1.0" encoding="utf-8"?>
+<p:sld xmlns:a="http://schemas.openxmlformats.org/drawingml/2006/main" xmlns:r="http://schemas.openxmlformats.org/officeDocument/2006/relationships" xmlns:p="http://schemas.openxmlformats.org/presentationml/2006/main">
+  <p:cSld>
+    <p:spTree>
+      <p:nvGrpSpPr>
+        <p:cNvPr id="1" name=""/>
+        <p:cNvGrpSpPr/>
+        <p:nvPr/>
+      </p:nvGrpSpPr>
+      <p:grpSpPr>
+        <a:xfrm>
+          <a:off x="0" y="0"/>
+          <a:ext cx="0" cy="0"/>
+          <a:chOff x="0" y="0"/>
+          <a:chExt cx="0" cy="0"/>
+        </a:xfrm>
+      </p:grpSpPr>
+      <p:sp>
+        <p:nvSpPr>
+          <p:cNvPr id="2" name="Title 1">
+            <a:extLst>
+              <a:ext uri="{FF2B5EF4-FFF2-40B4-BE49-F238E27FC236}">
+                <a16:creationId xmlns:a16="http://schemas.microsoft.com/office/drawing/2014/main" id="{B4DBDF57-8061-A24B-1ECF-4F4F466303A6}"/>
+              </a:ext>
+            </a:extLst>
+          </p:cNvPr>
+          <p:cNvSpPr>
+            <a:spLocks noGrp="1"/>
+          </p:cNvSpPr>
+          <p:nvPr>
+            <p:ph type="title"/>
+          </p:nvPr>
+        </p:nvSpPr>
+        <p:spPr/>
+        <p:txBody>
+          <a:bodyPr/>
+          <a:lstStyle/>
+          <a:p>
+            <a:endParaRPr lang="en-US" dirty="0"/>
+          </a:p>
+        </p:txBody>
+      </p:sp>
+      <p:sp>
+        <p:nvSpPr>
+          <p:cNvPr id="3" name="Content Placeholder 2">
+            <a:extLst>
+              <a:ext uri="{FF2B5EF4-FFF2-40B4-BE49-F238E27FC236}">
+                <a16:creationId xmlns:a16="http://schemas.microsoft.com/office/drawing/2014/main" id="{F5951695-7911-3C3F-7913-5F2CD08D5B9A}"/>
+              </a:ext>
+            </a:extLst>
+          </p:cNvPr>
+          <p:cNvSpPr>
+            <a:spLocks noGrp="1"/>
+          </p:cNvSpPr>
+          <p:nvPr>
+            <p:ph idx="1"/>
+          </p:nvPr>
+        </p:nvSpPr>
+        <p:spPr/>
+        <p:txBody>
+          <a:bodyPr/>
+          <a:lstStyle/>
+          <a:p>
+            <a:endParaRPr lang="en-US" dirty="0"/>
+          </a:p>
+        </p:txBody>
+      </p:sp>
+      <p:pic>
+        <p:nvPicPr>
+          <p:cNvPr id="1026" name="Picture 2">
+            <a:extLst>
+              <a:ext uri="{FF2B5EF4-FFF2-40B4-BE49-F238E27FC236}">
+                <a16:creationId xmlns:a16="http://schemas.microsoft.com/office/drawing/2014/main" id="{F1D87FE3-865F-5539-6170-97662CB39174}"/>
+              </a:ext>
+            </a:extLst>
+          </p:cNvPr>
+          <p:cNvPicPr>
+            <a:picLocks noChangeAspect="1" noChangeArrowheads="1"/>
+          </p:cNvPicPr>
+          <p:nvPr/>
+        </p:nvPicPr>
+        <p:blipFill>
+          <a:blip r:embed="rId2">
+            <a:extLst>
+              <a:ext uri="{28A0092B-C50C-407E-A947-70E740481C1C}">
+                <a14:useLocalDpi xmlns:a14="http://schemas.microsoft.com/office/drawing/2010/main" val="0"/>
+              </a:ext>
+            </a:extLst>
+          </a:blip>
+          <a:srcRect/>
+          <a:stretch>
+            <a:fillRect/>
+          </a:stretch>
+        </p:blipFill>
+        <p:spPr bwMode="auto">
+          <a:xfrm>
+            <a:off x="241758" y="681037"/>
+            <a:ext cx="3906351" cy="5318449"/>
+          </a:xfrm>
+          <a:prstGeom prst="rect">
+            <a:avLst/>
+          </a:prstGeom>
+          <a:noFill/>
+          <a:extLst>
+            <a:ext uri="{909E8E84-426E-40DD-AFC4-6F175D3DCCD1}">
+              <a14:hiddenFill xmlns:a14="http://schemas.microsoft.com/office/drawing/2010/main">
+                <a:solidFill>
+                  <a:srgbClr val="FFFFFF"/>
+                </a:solidFill>
+              </a14:hiddenFill>
+            </a:ext>
+          </a:extLst>
+        </p:spPr>
+      </p:pic>
+      <p:pic>
+        <p:nvPicPr>
+          <p:cNvPr id="1028" name="Picture 4">
+            <a:extLst>
+              <a:ext uri="{FF2B5EF4-FFF2-40B4-BE49-F238E27FC236}">
+                <a16:creationId xmlns:a16="http://schemas.microsoft.com/office/drawing/2014/main" id="{8AC2C72D-EE30-40BD-3C86-95E9F5011A07}"/>
+              </a:ext>
+            </a:extLst>
+          </p:cNvPr>
+          <p:cNvPicPr>
+            <a:picLocks noChangeAspect="1" noChangeArrowheads="1"/>
+          </p:cNvPicPr>
+          <p:nvPr/>
+        </p:nvPicPr>
+        <p:blipFill>
+          <a:blip r:embed="rId3">
+            <a:extLst>
+              <a:ext uri="{28A0092B-C50C-407E-A947-70E740481C1C}">
+                <a14:useLocalDpi xmlns:a14="http://schemas.microsoft.com/office/drawing/2010/main" val="0"/>
+              </a:ext>
+            </a:extLst>
+          </a:blip>
+          <a:srcRect/>
+          <a:stretch>
+            <a:fillRect/>
+          </a:stretch>
+        </p:blipFill>
+        <p:spPr bwMode="auto">
+          <a:xfrm>
+            <a:off x="4340417" y="365125"/>
+            <a:ext cx="7239000" cy="3914775"/>
+          </a:xfrm>
+          <a:prstGeom prst="rect">
+            <a:avLst/>
+          </a:prstGeom>
+          <a:noFill/>
+          <a:extLst>
+            <a:ext uri="{909E8E84-426E-40DD-AFC4-6F175D3DCCD1}">
+              <a14:hiddenFill xmlns:a14="http://schemas.microsoft.com/office/drawing/2010/main">
+                <a:solidFill>
+                  <a:srgbClr val="FFFFFF"/>
+                </a:solidFill>
+              </a14:hiddenFill>
+            </a:ext>
+          </a:extLst>
+        </p:spPr>
+      </p:pic>
+      <p:sp>
+        <p:nvSpPr>
+          <p:cNvPr id="5" name="TextBox 4">
+            <a:extLst>
+              <a:ext uri="{FF2B5EF4-FFF2-40B4-BE49-F238E27FC236}">
+                <a16:creationId xmlns:a16="http://schemas.microsoft.com/office/drawing/2014/main" id="{15B7EEDD-3511-9359-DB78-437EEB012091}"/>
+              </a:ext>
+            </a:extLst>
+          </p:cNvPr>
+          <p:cNvSpPr txBox="1"/>
+          <p:nvPr/>
+        </p:nvSpPr>
+        <p:spPr>
+          <a:xfrm>
+            <a:off x="4541018" y="4414837"/>
+            <a:ext cx="7238999" cy="2308324"/>
+          </a:xfrm>
+          <a:prstGeom prst="rect">
+            <a:avLst/>
+          </a:prstGeom>
+          <a:noFill/>
+        </p:spPr>
+        <p:txBody>
+          <a:bodyPr wrap="square">
+            <a:spAutoFit/>
+          </a:bodyPr>
+          <a:lstStyle/>
+          <a:p>
+            <a:pPr algn="l"/>
+            <a:r>
+              <a:rPr lang="en-US" b="1" i="0" dirty="0">
+                <a:solidFill>
+                  <a:srgbClr val="FFFFFF"/>
+                </a:solidFill>
+                <a:effectLst/>
+                <a:latin typeface="BlinkMacSystemFont"/>
+              </a:rPr>
+              <a:t>Fig. 2 </a:t>
+            </a:r>
+            <a:r>
+              <a:rPr lang="en-US" b="0" i="0" dirty="0">
+                <a:solidFill>
+                  <a:srgbClr val="FFFFFF"/>
+                </a:solidFill>
+                <a:effectLst/>
+                <a:latin typeface="BlinkMacSystemFont"/>
+              </a:rPr>
+              <a:t>Numerical hindcast of the Loire Estuary (2009–2018). (</a:t>
+            </a:r>
+            <a:r>
+              <a:rPr lang="en-US" b="1" i="0" dirty="0">
+                <a:solidFill>
+                  <a:srgbClr val="FFFFFF"/>
+                </a:solidFill>
+                <a:effectLst/>
+                <a:latin typeface="BlinkMacSystemFont"/>
+              </a:rPr>
+              <a:t>a</a:t>
+            </a:r>
+            <a:r>
+              <a:rPr lang="en-US" b="0" i="0" dirty="0">
+                <a:solidFill>
+                  <a:srgbClr val="FFFFFF"/>
+                </a:solidFill>
+                <a:effectLst/>
+                <a:latin typeface="BlinkMacSystemFont"/>
+              </a:rPr>
+              <a:t>) Significant wave height H</a:t>
+            </a:r>
+            <a:r>
+              <a:rPr lang="en-US" b="0" i="0" baseline="-25000" dirty="0">
+                <a:solidFill>
+                  <a:srgbClr val="FFFFFF"/>
+                </a:solidFill>
+                <a:effectLst/>
+                <a:latin typeface="BlinkMacSystemFont"/>
+              </a:rPr>
+              <a:t>s</a:t>
+            </a:r>
+            <a:r>
+              <a:rPr lang="en-US" b="0" i="0" dirty="0">
+                <a:solidFill>
+                  <a:srgbClr val="FFFFFF"/>
+                </a:solidFill>
+                <a:effectLst/>
+                <a:latin typeface="BlinkMacSystemFont"/>
+              </a:rPr>
+              <a:t> at the offshore model boundary (grey) and at Saint Nazaire ‘SN’ (black), and (</a:t>
+            </a:r>
+            <a:r>
+              <a:rPr lang="en-US" b="1" i="0" dirty="0">
+                <a:solidFill>
+                  <a:srgbClr val="FFFFFF"/>
+                </a:solidFill>
+                <a:effectLst/>
+                <a:latin typeface="BlinkMacSystemFont"/>
+              </a:rPr>
+              <a:t>b</a:t>
+            </a:r>
+            <a:r>
+              <a:rPr lang="en-US" b="0" i="0" dirty="0">
+                <a:solidFill>
+                  <a:srgbClr val="FFFFFF"/>
+                </a:solidFill>
+                <a:effectLst/>
+                <a:latin typeface="BlinkMacSystemFont"/>
+              </a:rPr>
+              <a:t>) Loire River discharge Q at the upstream model boundary for freshwater (blue) and mud supply (orange). Width-averaged along-estuary transects of surface: (</a:t>
+            </a:r>
+            <a:r>
+              <a:rPr lang="en-US" b="1" i="0" dirty="0">
+                <a:solidFill>
+                  <a:srgbClr val="FFFFFF"/>
+                </a:solidFill>
+                <a:effectLst/>
+                <a:latin typeface="BlinkMacSystemFont"/>
+              </a:rPr>
+              <a:t>c</a:t>
+            </a:r>
+            <a:r>
+              <a:rPr lang="en-US" b="0" i="0" dirty="0">
+                <a:solidFill>
+                  <a:srgbClr val="FFFFFF"/>
+                </a:solidFill>
+                <a:effectLst/>
+                <a:latin typeface="BlinkMacSystemFont"/>
+              </a:rPr>
+              <a:t>) temperature </a:t>
+            </a:r>
+            <a:r>
+              <a:rPr lang="en-US" b="0" i="0" dirty="0" err="1">
+                <a:solidFill>
+                  <a:srgbClr val="FFFFFF"/>
+                </a:solidFill>
+                <a:effectLst/>
+                <a:latin typeface="BlinkMacSystemFont"/>
+              </a:rPr>
+              <a:t>T</a:t>
+            </a:r>
+            <a:r>
+              <a:rPr lang="en-US" b="0" i="0" baseline="-25000" dirty="0" err="1">
+                <a:solidFill>
+                  <a:srgbClr val="FFFFFF"/>
+                </a:solidFill>
+                <a:effectLst/>
+                <a:latin typeface="BlinkMacSystemFont"/>
+              </a:rPr>
+              <a:t>surf</a:t>
+            </a:r>
+            <a:r>
+              <a:rPr lang="en-US" b="0" i="0" dirty="0">
+                <a:solidFill>
+                  <a:srgbClr val="FFFFFF"/>
+                </a:solidFill>
+                <a:effectLst/>
+                <a:latin typeface="BlinkMacSystemFont"/>
+              </a:rPr>
+              <a:t>, (</a:t>
+            </a:r>
+            <a:r>
+              <a:rPr lang="en-US" b="1" i="0" dirty="0">
+                <a:solidFill>
+                  <a:srgbClr val="FFFFFF"/>
+                </a:solidFill>
+                <a:effectLst/>
+                <a:latin typeface="BlinkMacSystemFont"/>
+              </a:rPr>
+              <a:t>d</a:t>
+            </a:r>
+            <a:r>
+              <a:rPr lang="en-US" b="0" i="0" dirty="0">
+                <a:solidFill>
+                  <a:srgbClr val="FFFFFF"/>
+                </a:solidFill>
+                <a:effectLst/>
+                <a:latin typeface="BlinkMacSystemFont"/>
+              </a:rPr>
+              <a:t>) salinity </a:t>
+            </a:r>
+            <a:r>
+              <a:rPr lang="en-US" b="0" i="0" dirty="0" err="1">
+                <a:solidFill>
+                  <a:srgbClr val="FFFFFF"/>
+                </a:solidFill>
+                <a:effectLst/>
+                <a:latin typeface="BlinkMacSystemFont"/>
+              </a:rPr>
+              <a:t>S</a:t>
+            </a:r>
+            <a:r>
+              <a:rPr lang="en-US" b="0" i="0" baseline="-25000" dirty="0" err="1">
+                <a:solidFill>
+                  <a:srgbClr val="FFFFFF"/>
+                </a:solidFill>
+                <a:effectLst/>
+                <a:latin typeface="BlinkMacSystemFont"/>
+              </a:rPr>
+              <a:t>surf</a:t>
+            </a:r>
+            <a:r>
+              <a:rPr lang="en-US" b="0" i="0" dirty="0">
+                <a:solidFill>
+                  <a:srgbClr val="FFFFFF"/>
+                </a:solidFill>
+                <a:effectLst/>
+                <a:latin typeface="BlinkMacSystemFont"/>
+              </a:rPr>
+              <a:t>, and (</a:t>
+            </a:r>
+            <a:r>
+              <a:rPr lang="en-US" b="1" i="0" dirty="0">
+                <a:solidFill>
+                  <a:srgbClr val="FFFFFF"/>
+                </a:solidFill>
+                <a:effectLst/>
+                <a:latin typeface="BlinkMacSystemFont"/>
+              </a:rPr>
+              <a:t>e</a:t>
+            </a:r>
+            <a:r>
+              <a:rPr lang="en-US" b="0" i="0" dirty="0">
+                <a:solidFill>
+                  <a:srgbClr val="FFFFFF"/>
+                </a:solidFill>
+                <a:effectLst/>
+                <a:latin typeface="BlinkMacSystemFont"/>
+              </a:rPr>
+              <a:t>) suspended sediment concentration </a:t>
+            </a:r>
+            <a:r>
+              <a:rPr lang="en-US" b="0" i="0" dirty="0" err="1">
+                <a:solidFill>
+                  <a:srgbClr val="FFFFFF"/>
+                </a:solidFill>
+                <a:effectLst/>
+                <a:latin typeface="BlinkMacSystemFont"/>
+              </a:rPr>
+              <a:t>SSC</a:t>
+            </a:r>
+            <a:r>
+              <a:rPr lang="en-US" b="0" i="0" baseline="-25000" dirty="0" err="1">
+                <a:solidFill>
+                  <a:srgbClr val="FFFFFF"/>
+                </a:solidFill>
+                <a:effectLst/>
+                <a:latin typeface="BlinkMacSystemFont"/>
+              </a:rPr>
+              <a:t>surf</a:t>
+            </a:r>
+            <a:r>
+              <a:rPr lang="en-US" b="0" i="0" dirty="0">
+                <a:solidFill>
+                  <a:srgbClr val="FFFFFF"/>
+                </a:solidFill>
+                <a:effectLst/>
+                <a:latin typeface="BlinkMacSystemFont"/>
+              </a:rPr>
+              <a:t>. In (</a:t>
+            </a:r>
+            <a:r>
+              <a:rPr lang="en-US" b="1" i="0" dirty="0">
+                <a:solidFill>
+                  <a:srgbClr val="FFFFFF"/>
+                </a:solidFill>
+                <a:effectLst/>
+                <a:latin typeface="BlinkMacSystemFont"/>
+              </a:rPr>
+              <a:t>c</a:t>
+            </a:r>
+            <a:r>
+              <a:rPr lang="en-US" b="0" i="0" dirty="0">
+                <a:solidFill>
+                  <a:srgbClr val="FFFFFF"/>
+                </a:solidFill>
+                <a:effectLst/>
+                <a:latin typeface="BlinkMacSystemFont"/>
+              </a:rPr>
+              <a:t>–</a:t>
+            </a:r>
+            <a:r>
+              <a:rPr lang="en-US" b="1" i="0" dirty="0">
+                <a:solidFill>
+                  <a:srgbClr val="FFFFFF"/>
+                </a:solidFill>
+                <a:effectLst/>
+                <a:latin typeface="BlinkMacSystemFont"/>
+              </a:rPr>
+              <a:t>e</a:t>
+            </a:r>
+            <a:r>
+              <a:rPr lang="en-US" b="0" i="0" dirty="0">
+                <a:solidFill>
+                  <a:srgbClr val="FFFFFF"/>
+                </a:solidFill>
+                <a:effectLst/>
+                <a:latin typeface="BlinkMacSystemFont"/>
+              </a:rPr>
+              <a:t>), white-dashed lines represent Saint Nazaire ‘SN’ and Nantes locations, at x = 0 and 53 km respectively.</a:t>
+            </a:r>
+          </a:p>
+        </p:txBody>
+      </p:sp>
+    </p:spTree>
+    <p:extLst>
+      <p:ext uri="{BB962C8B-B14F-4D97-AF65-F5344CB8AC3E}">
+        <p14:creationId xmlns:p14="http://schemas.microsoft.com/office/powerpoint/2010/main" val="1879399984"/>
       </p:ext>
     </p:extLst>
   </p:cSld>
